--- a/document/PresentationReseau.pptx
+++ b/document/PresentationReseau.pptx
@@ -108,6 +108,22 @@
       </a:defRPr>
     </a:lvl9pPr>
   </p:defaultTextStyle>
+  <p:extLst>
+    <p:ext uri="{EFAFB233-063F-42B5-8137-9DF3F51BA10A}">
+      <p15:sldGuideLst xmlns:p15="http://schemas.microsoft.com/office/powerpoint/2012/main">
+        <p15:guide id="1" orient="horz" pos="2160">
+          <p15:clr>
+            <a:srgbClr val="A4A3A4"/>
+          </p15:clr>
+        </p15:guide>
+        <p15:guide id="2" pos="2880">
+          <p15:clr>
+            <a:srgbClr val="A4A3A4"/>
+          </p15:clr>
+        </p15:guide>
+      </p15:sldGuideLst>
+    </p:ext>
+  </p:extLst>
 </p:presentation>
 </file>
 
@@ -495,7 +511,7 @@
           <a:p>
             <a:fld id="{0149645D-4B60-4B65-90A7-310987128B14}" type="datetimeFigureOut">
               <a:rPr lang="fr-FR" smtClean="0"/>
-              <a:t>09/07/2014</a:t>
+              <a:t>12/07/2014</a:t>
             </a:fld>
             <a:endParaRPr lang="fr-FR"/>
           </a:p>
@@ -660,7 +676,7 @@
           <a:p>
             <a:fld id="{0149645D-4B60-4B65-90A7-310987128B14}" type="datetimeFigureOut">
               <a:rPr lang="fr-FR" smtClean="0"/>
-              <a:t>09/07/2014</a:t>
+              <a:t>12/07/2014</a:t>
             </a:fld>
             <a:endParaRPr lang="fr-FR"/>
           </a:p>
@@ -835,7 +851,7 @@
           <a:p>
             <a:fld id="{0149645D-4B60-4B65-90A7-310987128B14}" type="datetimeFigureOut">
               <a:rPr lang="fr-FR" smtClean="0"/>
-              <a:t>09/07/2014</a:t>
+              <a:t>12/07/2014</a:t>
             </a:fld>
             <a:endParaRPr lang="fr-FR"/>
           </a:p>
@@ -1004,7 +1020,7 @@
           <a:p>
             <a:fld id="{0149645D-4B60-4B65-90A7-310987128B14}" type="datetimeFigureOut">
               <a:rPr lang="fr-FR" smtClean="0"/>
-              <a:t>09/07/2014</a:t>
+              <a:t>12/07/2014</a:t>
             </a:fld>
             <a:endParaRPr lang="fr-FR"/>
           </a:p>
@@ -1459,7 +1475,7 @@
           <a:p>
             <a:fld id="{0149645D-4B60-4B65-90A7-310987128B14}" type="datetimeFigureOut">
               <a:rPr lang="fr-FR" smtClean="0"/>
-              <a:t>09/07/2014</a:t>
+              <a:t>12/07/2014</a:t>
             </a:fld>
             <a:endParaRPr lang="fr-FR"/>
           </a:p>
@@ -1723,7 +1739,7 @@
           <a:p>
             <a:fld id="{0149645D-4B60-4B65-90A7-310987128B14}" type="datetimeFigureOut">
               <a:rPr lang="fr-FR" smtClean="0"/>
-              <a:t>09/07/2014</a:t>
+              <a:t>12/07/2014</a:t>
             </a:fld>
             <a:endParaRPr lang="fr-FR"/>
           </a:p>
@@ -2097,7 +2113,7 @@
           <a:p>
             <a:fld id="{0149645D-4B60-4B65-90A7-310987128B14}" type="datetimeFigureOut">
               <a:rPr lang="fr-FR" smtClean="0"/>
-              <a:t>09/07/2014</a:t>
+              <a:t>12/07/2014</a:t>
             </a:fld>
             <a:endParaRPr lang="fr-FR"/>
           </a:p>
@@ -2219,7 +2235,7 @@
           <a:p>
             <a:fld id="{0149645D-4B60-4B65-90A7-310987128B14}" type="datetimeFigureOut">
               <a:rPr lang="fr-FR" smtClean="0"/>
-              <a:t>09/07/2014</a:t>
+              <a:t>12/07/2014</a:t>
             </a:fld>
             <a:endParaRPr lang="fr-FR"/>
           </a:p>
@@ -2309,7 +2325,7 @@
           <a:p>
             <a:fld id="{0149645D-4B60-4B65-90A7-310987128B14}" type="datetimeFigureOut">
               <a:rPr lang="fr-FR" smtClean="0"/>
-              <a:t>09/07/2014</a:t>
+              <a:t>12/07/2014</a:t>
             </a:fld>
             <a:endParaRPr lang="fr-FR"/>
           </a:p>
@@ -2558,7 +2574,7 @@
           <a:p>
             <a:fld id="{0149645D-4B60-4B65-90A7-310987128B14}" type="datetimeFigureOut">
               <a:rPr lang="fr-FR" smtClean="0"/>
-              <a:t>09/07/2014</a:t>
+              <a:t>12/07/2014</a:t>
             </a:fld>
             <a:endParaRPr lang="fr-FR"/>
           </a:p>
@@ -2817,7 +2833,7 @@
           <a:p>
             <a:fld id="{0149645D-4B60-4B65-90A7-310987128B14}" type="datetimeFigureOut">
               <a:rPr lang="fr-FR" smtClean="0"/>
-              <a:t>09/07/2014</a:t>
+              <a:t>12/07/2014</a:t>
             </a:fld>
             <a:endParaRPr lang="fr-FR"/>
           </a:p>
@@ -3221,7 +3237,7 @@
           <a:p>
             <a:fld id="{0149645D-4B60-4B65-90A7-310987128B14}" type="datetimeFigureOut">
               <a:rPr lang="fr-FR" smtClean="0"/>
-              <a:t>09/07/2014</a:t>
+              <a:t>12/07/2014</a:t>
             </a:fld>
             <a:endParaRPr lang="fr-FR"/>
           </a:p>
@@ -3902,7 +3918,11 @@
             <a:pPr lvl="1"/>
             <a:r>
               <a:rPr lang="fr-FR" dirty="0" smtClean="0"/>
-              <a:t>Envoie d’une donnée avec le header TCP</a:t>
+              <a:t>Envoi </a:t>
+            </a:r>
+            <a:r>
+              <a:rPr lang="fr-FR" dirty="0" smtClean="0"/>
+              <a:t>d’une donnée avec le header TCP</a:t>
             </a:r>
           </a:p>
           <a:p>
@@ -3945,7 +3965,11 @@
             <a:pPr lvl="1"/>
             <a:r>
               <a:rPr lang="fr-FR" dirty="0" smtClean="0"/>
-              <a:t>Renvoie de la réponse</a:t>
+              <a:t>Renvoi </a:t>
+            </a:r>
+            <a:r>
+              <a:rPr lang="fr-FR" dirty="0" smtClean="0"/>
+              <a:t>de la réponse</a:t>
             </a:r>
             <a:endParaRPr lang="fr-FR" dirty="0"/>
           </a:p>
@@ -4106,25 +4130,6 @@
               <a:rPr lang="fr-FR" dirty="0" smtClean="0"/>
               <a:t>Démo et présentation de l’application</a:t>
             </a:r>
-            <a:endParaRPr lang="fr-FR" dirty="0"/>
-          </a:p>
-        </p:txBody>
-      </p:sp>
-      <p:sp>
-        <p:nvSpPr>
-          <p:cNvPr id="3" name="Espace réservé du contenu 2"/>
-          <p:cNvSpPr>
-            <a:spLocks noGrp="1"/>
-          </p:cNvSpPr>
-          <p:nvPr>
-            <p:ph idx="1"/>
-          </p:nvPr>
-        </p:nvSpPr>
-        <p:spPr/>
-        <p:txBody>
-          <a:bodyPr/>
-          <a:lstStyle/>
-          <a:p>
             <a:endParaRPr lang="fr-FR" dirty="0"/>
           </a:p>
         </p:txBody>

--- a/document/PresentationReseau.pptx
+++ b/document/PresentationReseau.pptx
@@ -9,7 +9,12 @@
     <p:sldId id="257" r:id="rId3"/>
     <p:sldId id="258" r:id="rId4"/>
     <p:sldId id="259" r:id="rId5"/>
-    <p:sldId id="260" r:id="rId6"/>
+    <p:sldId id="261" r:id="rId6"/>
+    <p:sldId id="262" r:id="rId7"/>
+    <p:sldId id="264" r:id="rId8"/>
+    <p:sldId id="263" r:id="rId9"/>
+    <p:sldId id="265" r:id="rId10"/>
+    <p:sldId id="260" r:id="rId11"/>
   </p:sldIdLst>
   <p:sldSz cx="9144000" cy="6858000" type="screen4x3"/>
   <p:notesSz cx="6858000" cy="9144000"/>
@@ -108,22 +113,6 @@
       </a:defRPr>
     </a:lvl9pPr>
   </p:defaultTextStyle>
-  <p:extLst>
-    <p:ext uri="{EFAFB233-063F-42B5-8137-9DF3F51BA10A}">
-      <p15:sldGuideLst xmlns:p15="http://schemas.microsoft.com/office/powerpoint/2012/main">
-        <p15:guide id="1" orient="horz" pos="2160">
-          <p15:clr>
-            <a:srgbClr val="A4A3A4"/>
-          </p15:clr>
-        </p15:guide>
-        <p15:guide id="2" pos="2880">
-          <p15:clr>
-            <a:srgbClr val="A4A3A4"/>
-          </p15:clr>
-        </p15:guide>
-      </p15:sldGuideLst>
-    </p:ext>
-  </p:extLst>
 </p:presentation>
 </file>
 
@@ -3747,6 +3736,80 @@
 </p:sld>
 </file>
 
+<file path=ppt/slides/slide10.xml><?xml version="1.0" encoding="utf-8"?>
+<p:sld xmlns:a="http://schemas.openxmlformats.org/drawingml/2006/main" xmlns:r="http://schemas.openxmlformats.org/officeDocument/2006/relationships" xmlns:p="http://schemas.openxmlformats.org/presentationml/2006/main">
+  <p:cSld>
+    <p:spTree>
+      <p:nvGrpSpPr>
+        <p:cNvPr id="1" name=""/>
+        <p:cNvGrpSpPr/>
+        <p:nvPr/>
+      </p:nvGrpSpPr>
+      <p:grpSpPr>
+        <a:xfrm>
+          <a:off x="0" y="0"/>
+          <a:ext cx="0" cy="0"/>
+          <a:chOff x="0" y="0"/>
+          <a:chExt cx="0" cy="0"/>
+        </a:xfrm>
+      </p:grpSpPr>
+      <p:sp>
+        <p:nvSpPr>
+          <p:cNvPr id="2" name="Titre 1"/>
+          <p:cNvSpPr>
+            <a:spLocks noGrp="1"/>
+          </p:cNvSpPr>
+          <p:nvPr>
+            <p:ph type="title"/>
+          </p:nvPr>
+        </p:nvSpPr>
+        <p:spPr/>
+        <p:txBody>
+          <a:bodyPr>
+            <a:normAutofit fontScale="90000"/>
+          </a:bodyPr>
+          <a:lstStyle/>
+          <a:p>
+            <a:r>
+              <a:rPr lang="fr-FR" dirty="0" smtClean="0"/>
+              <a:t>Démo et présentation de l’application</a:t>
+            </a:r>
+            <a:endParaRPr lang="fr-FR" dirty="0"/>
+          </a:p>
+        </p:txBody>
+      </p:sp>
+      <p:sp>
+        <p:nvSpPr>
+          <p:cNvPr id="3" name="Espace réservé du contenu 2"/>
+          <p:cNvSpPr>
+            <a:spLocks noGrp="1"/>
+          </p:cNvSpPr>
+          <p:nvPr>
+            <p:ph idx="1"/>
+          </p:nvPr>
+        </p:nvSpPr>
+        <p:spPr/>
+        <p:txBody>
+          <a:bodyPr/>
+          <a:lstStyle/>
+          <a:p>
+            <a:endParaRPr lang="fr-FR" dirty="0"/>
+          </a:p>
+        </p:txBody>
+      </p:sp>
+    </p:spTree>
+    <p:extLst>
+      <p:ext uri="{BB962C8B-B14F-4D97-AF65-F5344CB8AC3E}">
+        <p14:creationId xmlns:p14="http://schemas.microsoft.com/office/powerpoint/2010/main" val="3385990068"/>
+      </p:ext>
+    </p:extLst>
+  </p:cSld>
+  <p:clrMapOvr>
+    <a:masterClrMapping/>
+  </p:clrMapOvr>
+</p:sld>
+</file>
+
 <file path=ppt/slides/slide2.xml><?xml version="1.0" encoding="utf-8"?>
 <p:sld xmlns:a="http://schemas.openxmlformats.org/drawingml/2006/main" xmlns:r="http://schemas.openxmlformats.org/officeDocument/2006/relationships" xmlns:p="http://schemas.openxmlformats.org/presentationml/2006/main">
   <p:cSld>
@@ -3918,11 +3981,7 @@
             <a:pPr lvl="1"/>
             <a:r>
               <a:rPr lang="fr-FR" dirty="0" smtClean="0"/>
-              <a:t>Envoi </a:t>
-            </a:r>
-            <a:r>
-              <a:rPr lang="fr-FR" dirty="0" smtClean="0"/>
-              <a:t>d’une donnée avec le header TCP</a:t>
+              <a:t>Envoie d’une donnée avec le header TCP</a:t>
             </a:r>
           </a:p>
           <a:p>
@@ -3965,11 +4024,7 @@
             <a:pPr lvl="1"/>
             <a:r>
               <a:rPr lang="fr-FR" dirty="0" smtClean="0"/>
-              <a:t>Renvoi </a:t>
-            </a:r>
-            <a:r>
-              <a:rPr lang="fr-FR" dirty="0" smtClean="0"/>
-              <a:t>de la réponse</a:t>
+              <a:t>Renvoie de la réponse</a:t>
             </a:r>
             <a:endParaRPr lang="fr-FR" dirty="0"/>
           </a:p>
@@ -4074,8 +4129,25 @@
             <a:pPr lvl="1"/>
             <a:r>
               <a:rPr lang="fr-FR" dirty="0" smtClean="0"/>
-              <a:t>Dans le client et le serveur</a:t>
-            </a:r>
+              <a:t>Dans le client et le </a:t>
+            </a:r>
+            <a:r>
+              <a:rPr lang="fr-FR" dirty="0" smtClean="0"/>
+              <a:t>serveur grâce à </a:t>
+            </a:r>
+            <a:r>
+              <a:rPr lang="fr-FR" dirty="0" err="1" smtClean="0"/>
+              <a:t>alarm</a:t>
+            </a:r>
+            <a:endParaRPr lang="fr-FR" dirty="0" smtClean="0"/>
+          </a:p>
+          <a:p>
+            <a:pPr lvl="1"/>
+            <a:r>
+              <a:rPr lang="fr-FR" dirty="0" smtClean="0"/>
+              <a:t>Si une réponse est attendu plus de 5 seconde : fin de la connexion</a:t>
+            </a:r>
+            <a:endParaRPr lang="fr-FR" dirty="0" smtClean="0"/>
           </a:p>
         </p:txBody>
       </p:sp>
@@ -4121,23 +4193,676 @@
         </p:nvSpPr>
         <p:spPr/>
         <p:txBody>
-          <a:bodyPr>
-            <a:normAutofit fontScale="90000"/>
-          </a:bodyPr>
-          <a:lstStyle/>
-          <a:p>
-            <a:r>
-              <a:rPr lang="fr-FR" dirty="0" smtClean="0"/>
-              <a:t>Démo et présentation de l’application</a:t>
+          <a:bodyPr/>
+          <a:lstStyle/>
+          <a:p>
+            <a:r>
+              <a:rPr lang="fr-FR" dirty="0" smtClean="0"/>
+              <a:t>Description du code : TCP</a:t>
             </a:r>
             <a:endParaRPr lang="fr-FR" dirty="0"/>
           </a:p>
         </p:txBody>
       </p:sp>
+      <p:sp>
+        <p:nvSpPr>
+          <p:cNvPr id="3" name="Espace réservé du contenu 2"/>
+          <p:cNvSpPr>
+            <a:spLocks noGrp="1"/>
+          </p:cNvSpPr>
+          <p:nvPr>
+            <p:ph idx="1"/>
+          </p:nvPr>
+        </p:nvSpPr>
+        <p:spPr/>
+        <p:txBody>
+          <a:bodyPr/>
+          <a:lstStyle/>
+          <a:p>
+            <a:r>
+              <a:rPr lang="fr-FR" dirty="0"/>
+              <a:t>H</a:t>
+            </a:r>
+            <a:r>
+              <a:rPr lang="fr-FR" dirty="0" smtClean="0"/>
+              <a:t>eader TCP</a:t>
+            </a:r>
+          </a:p>
+          <a:p>
+            <a:endParaRPr lang="fr-FR" dirty="0"/>
+          </a:p>
+        </p:txBody>
+      </p:sp>
+      <p:pic>
+        <p:nvPicPr>
+          <p:cNvPr id="1026" name="Picture 2"/>
+          <p:cNvPicPr>
+            <a:picLocks noChangeAspect="1" noChangeArrowheads="1"/>
+          </p:cNvPicPr>
+          <p:nvPr/>
+        </p:nvPicPr>
+        <p:blipFill>
+          <a:blip r:embed="rId2">
+            <a:extLst>
+              <a:ext uri="{28A0092B-C50C-407E-A947-70E740481C1C}">
+                <a14:useLocalDpi xmlns:a14="http://schemas.microsoft.com/office/drawing/2010/main" val="0"/>
+              </a:ext>
+            </a:extLst>
+          </a:blip>
+          <a:srcRect/>
+          <a:stretch>
+            <a:fillRect/>
+          </a:stretch>
+        </p:blipFill>
+        <p:spPr bwMode="auto">
+          <a:xfrm>
+            <a:off x="899592" y="2420888"/>
+            <a:ext cx="3629025" cy="2609850"/>
+          </a:xfrm>
+          <a:prstGeom prst="rect">
+            <a:avLst/>
+          </a:prstGeom>
+          <a:noFill/>
+          <a:ln>
+            <a:noFill/>
+          </a:ln>
+          <a:extLst>
+            <a:ext uri="{909E8E84-426E-40DD-AFC4-6F175D3DCCD1}">
+              <a14:hiddenFill xmlns:a14="http://schemas.microsoft.com/office/drawing/2010/main">
+                <a:solidFill>
+                  <a:schemeClr val="accent1"/>
+                </a:solidFill>
+              </a14:hiddenFill>
+            </a:ext>
+            <a:ext uri="{91240B29-F687-4F45-9708-019B960494DF}">
+              <a14:hiddenLine xmlns:a14="http://schemas.microsoft.com/office/drawing/2010/main" w="9525">
+                <a:solidFill>
+                  <a:schemeClr val="tx1"/>
+                </a:solidFill>
+                <a:miter lim="800000"/>
+                <a:headEnd/>
+                <a:tailEnd/>
+              </a14:hiddenLine>
+            </a:ext>
+          </a:extLst>
+        </p:spPr>
+      </p:pic>
     </p:spTree>
     <p:extLst>
       <p:ext uri="{BB962C8B-B14F-4D97-AF65-F5344CB8AC3E}">
-        <p14:creationId xmlns:p14="http://schemas.microsoft.com/office/powerpoint/2010/main" val="3385990068"/>
+        <p14:creationId xmlns:p14="http://schemas.microsoft.com/office/powerpoint/2010/main" val="1495358651"/>
+      </p:ext>
+    </p:extLst>
+  </p:cSld>
+  <p:clrMapOvr>
+    <a:masterClrMapping/>
+  </p:clrMapOvr>
+</p:sld>
+</file>
+
+<file path=ppt/slides/slide6.xml><?xml version="1.0" encoding="utf-8"?>
+<p:sld xmlns:a="http://schemas.openxmlformats.org/drawingml/2006/main" xmlns:r="http://schemas.openxmlformats.org/officeDocument/2006/relationships" xmlns:p="http://schemas.openxmlformats.org/presentationml/2006/main">
+  <p:cSld>
+    <p:spTree>
+      <p:nvGrpSpPr>
+        <p:cNvPr id="1" name=""/>
+        <p:cNvGrpSpPr/>
+        <p:nvPr/>
+      </p:nvGrpSpPr>
+      <p:grpSpPr>
+        <a:xfrm>
+          <a:off x="0" y="0"/>
+          <a:ext cx="0" cy="0"/>
+          <a:chOff x="0" y="0"/>
+          <a:chExt cx="0" cy="0"/>
+        </a:xfrm>
+      </p:grpSpPr>
+      <p:sp>
+        <p:nvSpPr>
+          <p:cNvPr id="2" name="Titre 1"/>
+          <p:cNvSpPr>
+            <a:spLocks noGrp="1"/>
+          </p:cNvSpPr>
+          <p:nvPr>
+            <p:ph type="title"/>
+          </p:nvPr>
+        </p:nvSpPr>
+        <p:spPr/>
+        <p:txBody>
+          <a:bodyPr/>
+          <a:lstStyle/>
+          <a:p>
+            <a:r>
+              <a:rPr lang="fr-FR" dirty="0" smtClean="0"/>
+              <a:t>Description du code client</a:t>
+            </a:r>
+            <a:endParaRPr lang="fr-FR" dirty="0"/>
+          </a:p>
+        </p:txBody>
+      </p:sp>
+      <p:sp>
+        <p:nvSpPr>
+          <p:cNvPr id="3" name="Espace réservé du contenu 2"/>
+          <p:cNvSpPr>
+            <a:spLocks noGrp="1"/>
+          </p:cNvSpPr>
+          <p:nvPr>
+            <p:ph idx="1"/>
+          </p:nvPr>
+        </p:nvSpPr>
+        <p:spPr/>
+        <p:txBody>
+          <a:bodyPr/>
+          <a:lstStyle/>
+          <a:p>
+            <a:r>
+              <a:rPr lang="fr-FR" dirty="0" smtClean="0"/>
+              <a:t>Initialisation</a:t>
+            </a:r>
+          </a:p>
+          <a:p>
+            <a:r>
+              <a:rPr lang="fr-FR" dirty="0" smtClean="0"/>
+              <a:t>Connexion au serveur</a:t>
+            </a:r>
+          </a:p>
+          <a:p>
+            <a:endParaRPr lang="fr-FR" dirty="0" smtClean="0"/>
+          </a:p>
+          <a:p>
+            <a:endParaRPr lang="fr-FR" dirty="0" smtClean="0"/>
+          </a:p>
+          <a:p>
+            <a:endParaRPr lang="fr-FR" dirty="0"/>
+          </a:p>
+        </p:txBody>
+      </p:sp>
+      <p:pic>
+        <p:nvPicPr>
+          <p:cNvPr id="2050" name="Picture 2"/>
+          <p:cNvPicPr>
+            <a:picLocks noChangeAspect="1" noChangeArrowheads="1"/>
+          </p:cNvPicPr>
+          <p:nvPr/>
+        </p:nvPicPr>
+        <p:blipFill>
+          <a:blip r:embed="rId2">
+            <a:extLst>
+              <a:ext uri="{28A0092B-C50C-407E-A947-70E740481C1C}">
+                <a14:useLocalDpi xmlns:a14="http://schemas.microsoft.com/office/drawing/2010/main" val="0"/>
+              </a:ext>
+            </a:extLst>
+          </a:blip>
+          <a:srcRect/>
+          <a:stretch>
+            <a:fillRect/>
+          </a:stretch>
+        </p:blipFill>
+        <p:spPr bwMode="auto">
+          <a:xfrm>
+            <a:off x="755575" y="3068960"/>
+            <a:ext cx="5743077" cy="1296144"/>
+          </a:xfrm>
+          <a:prstGeom prst="rect">
+            <a:avLst/>
+          </a:prstGeom>
+          <a:noFill/>
+          <a:ln>
+            <a:noFill/>
+          </a:ln>
+          <a:extLst>
+            <a:ext uri="{909E8E84-426E-40DD-AFC4-6F175D3DCCD1}">
+              <a14:hiddenFill xmlns:a14="http://schemas.microsoft.com/office/drawing/2010/main">
+                <a:solidFill>
+                  <a:schemeClr val="accent1"/>
+                </a:solidFill>
+              </a14:hiddenFill>
+            </a:ext>
+            <a:ext uri="{91240B29-F687-4F45-9708-019B960494DF}">
+              <a14:hiddenLine xmlns:a14="http://schemas.microsoft.com/office/drawing/2010/main" w="9525">
+                <a:solidFill>
+                  <a:schemeClr val="tx1"/>
+                </a:solidFill>
+                <a:miter lim="800000"/>
+                <a:headEnd/>
+                <a:tailEnd/>
+              </a14:hiddenLine>
+            </a:ext>
+          </a:extLst>
+        </p:spPr>
+      </p:pic>
+    </p:spTree>
+    <p:extLst>
+      <p:ext uri="{BB962C8B-B14F-4D97-AF65-F5344CB8AC3E}">
+        <p14:creationId xmlns:p14="http://schemas.microsoft.com/office/powerpoint/2010/main" val="3659391889"/>
+      </p:ext>
+    </p:extLst>
+  </p:cSld>
+  <p:clrMapOvr>
+    <a:masterClrMapping/>
+  </p:clrMapOvr>
+</p:sld>
+</file>
+
+<file path=ppt/slides/slide7.xml><?xml version="1.0" encoding="utf-8"?>
+<p:sld xmlns:a="http://schemas.openxmlformats.org/drawingml/2006/main" xmlns:r="http://schemas.openxmlformats.org/officeDocument/2006/relationships" xmlns:p="http://schemas.openxmlformats.org/presentationml/2006/main">
+  <p:cSld>
+    <p:spTree>
+      <p:nvGrpSpPr>
+        <p:cNvPr id="1" name=""/>
+        <p:cNvGrpSpPr/>
+        <p:nvPr/>
+      </p:nvGrpSpPr>
+      <p:grpSpPr>
+        <a:xfrm>
+          <a:off x="0" y="0"/>
+          <a:ext cx="0" cy="0"/>
+          <a:chOff x="0" y="0"/>
+          <a:chExt cx="0" cy="0"/>
+        </a:xfrm>
+      </p:grpSpPr>
+      <p:sp>
+        <p:nvSpPr>
+          <p:cNvPr id="2" name="Titre 1"/>
+          <p:cNvSpPr>
+            <a:spLocks noGrp="1"/>
+          </p:cNvSpPr>
+          <p:nvPr>
+            <p:ph type="title"/>
+          </p:nvPr>
+        </p:nvSpPr>
+        <p:spPr/>
+        <p:txBody>
+          <a:bodyPr/>
+          <a:lstStyle/>
+          <a:p>
+            <a:r>
+              <a:rPr lang="fr-FR" dirty="0" smtClean="0"/>
+              <a:t>Description du code client</a:t>
+            </a:r>
+            <a:endParaRPr lang="fr-FR" dirty="0"/>
+          </a:p>
+        </p:txBody>
+      </p:sp>
+      <p:sp>
+        <p:nvSpPr>
+          <p:cNvPr id="3" name="Espace réservé du contenu 2"/>
+          <p:cNvSpPr>
+            <a:spLocks noGrp="1"/>
+          </p:cNvSpPr>
+          <p:nvPr>
+            <p:ph idx="1"/>
+          </p:nvPr>
+        </p:nvSpPr>
+        <p:spPr/>
+        <p:txBody>
+          <a:bodyPr/>
+          <a:lstStyle/>
+          <a:p>
+            <a:r>
+              <a:rPr lang="fr-FR" dirty="0" smtClean="0"/>
+              <a:t>«</a:t>
+            </a:r>
+            <a:r>
+              <a:rPr lang="fr-FR" dirty="0"/>
+              <a:t> </a:t>
+            </a:r>
+            <a:r>
+              <a:rPr lang="fr-FR" dirty="0" err="1" smtClean="0"/>
+              <a:t>Three</a:t>
+            </a:r>
+            <a:r>
+              <a:rPr lang="fr-FR" dirty="0" smtClean="0"/>
+              <a:t> </a:t>
+            </a:r>
+            <a:r>
+              <a:rPr lang="fr-FR" dirty="0" err="1"/>
+              <a:t>W</a:t>
+            </a:r>
+            <a:r>
+              <a:rPr lang="fr-FR" dirty="0" err="1" smtClean="0"/>
+              <a:t>ays</a:t>
+            </a:r>
+            <a:r>
+              <a:rPr lang="fr-FR" dirty="0" smtClean="0"/>
+              <a:t> </a:t>
+            </a:r>
+            <a:r>
+              <a:rPr lang="fr-FR" dirty="0" err="1" smtClean="0"/>
+              <a:t>HandShake</a:t>
+            </a:r>
+            <a:r>
+              <a:rPr lang="fr-FR" dirty="0" smtClean="0"/>
+              <a:t> »</a:t>
+            </a:r>
+          </a:p>
+          <a:p>
+            <a:pPr lvl="1"/>
+            <a:r>
+              <a:rPr lang="fr-FR" dirty="0" smtClean="0"/>
+              <a:t>Initialisation de la communication client-serveur</a:t>
+            </a:r>
+          </a:p>
+          <a:p>
+            <a:pPr lvl="1"/>
+            <a:r>
+              <a:rPr lang="fr-FR" dirty="0" smtClean="0"/>
+              <a:t>Envoie de SYN au serveur</a:t>
+            </a:r>
+          </a:p>
+          <a:p>
+            <a:pPr lvl="1"/>
+            <a:r>
+              <a:rPr lang="fr-FR" dirty="0" smtClean="0"/>
+              <a:t>Réception de SYN+ACK</a:t>
+            </a:r>
+          </a:p>
+          <a:p>
+            <a:r>
+              <a:rPr lang="fr-FR" dirty="0" smtClean="0"/>
+              <a:t>Envoie et réception de données</a:t>
+            </a:r>
+          </a:p>
+          <a:p>
+            <a:pPr lvl="1"/>
+            <a:r>
+              <a:rPr lang="fr-FR" dirty="0" smtClean="0"/>
+              <a:t>Dans notre exemple on envoie 42</a:t>
+            </a:r>
+            <a:endParaRPr lang="fr-FR" dirty="0"/>
+          </a:p>
+        </p:txBody>
+      </p:sp>
+    </p:spTree>
+    <p:extLst>
+      <p:ext uri="{BB962C8B-B14F-4D97-AF65-F5344CB8AC3E}">
+        <p14:creationId xmlns:p14="http://schemas.microsoft.com/office/powerpoint/2010/main" val="2242526092"/>
+      </p:ext>
+    </p:extLst>
+  </p:cSld>
+  <p:clrMapOvr>
+    <a:masterClrMapping/>
+  </p:clrMapOvr>
+</p:sld>
+</file>
+
+<file path=ppt/slides/slide8.xml><?xml version="1.0" encoding="utf-8"?>
+<p:sld xmlns:a="http://schemas.openxmlformats.org/drawingml/2006/main" xmlns:r="http://schemas.openxmlformats.org/officeDocument/2006/relationships" xmlns:p="http://schemas.openxmlformats.org/presentationml/2006/main">
+  <p:cSld>
+    <p:spTree>
+      <p:nvGrpSpPr>
+        <p:cNvPr id="1" name=""/>
+        <p:cNvGrpSpPr/>
+        <p:nvPr/>
+      </p:nvGrpSpPr>
+      <p:grpSpPr>
+        <a:xfrm>
+          <a:off x="0" y="0"/>
+          <a:ext cx="0" cy="0"/>
+          <a:chOff x="0" y="0"/>
+          <a:chExt cx="0" cy="0"/>
+        </a:xfrm>
+      </p:grpSpPr>
+      <p:sp>
+        <p:nvSpPr>
+          <p:cNvPr id="2" name="Titre 1"/>
+          <p:cNvSpPr>
+            <a:spLocks noGrp="1"/>
+          </p:cNvSpPr>
+          <p:nvPr>
+            <p:ph type="title"/>
+          </p:nvPr>
+        </p:nvSpPr>
+        <p:spPr/>
+        <p:txBody>
+          <a:bodyPr/>
+          <a:lstStyle/>
+          <a:p>
+            <a:r>
+              <a:rPr lang="fr-FR" dirty="0" smtClean="0"/>
+              <a:t>Description du code server</a:t>
+            </a:r>
+            <a:endParaRPr lang="fr-FR" dirty="0"/>
+          </a:p>
+        </p:txBody>
+      </p:sp>
+      <p:sp>
+        <p:nvSpPr>
+          <p:cNvPr id="3" name="Espace réservé du contenu 2"/>
+          <p:cNvSpPr>
+            <a:spLocks noGrp="1"/>
+          </p:cNvSpPr>
+          <p:nvPr>
+            <p:ph idx="1"/>
+          </p:nvPr>
+        </p:nvSpPr>
+        <p:spPr/>
+        <p:txBody>
+          <a:bodyPr/>
+          <a:lstStyle/>
+          <a:p>
+            <a:r>
+              <a:rPr lang="fr-FR" dirty="0" smtClean="0"/>
+              <a:t>Initialisation</a:t>
+            </a:r>
+          </a:p>
+          <a:p>
+            <a:r>
+              <a:rPr lang="fr-FR" dirty="0" smtClean="0"/>
+              <a:t>Lecture</a:t>
+            </a:r>
+          </a:p>
+          <a:p>
+            <a:endParaRPr lang="fr-FR" dirty="0" smtClean="0"/>
+          </a:p>
+        </p:txBody>
+      </p:sp>
+      <p:pic>
+        <p:nvPicPr>
+          <p:cNvPr id="3074" name="Picture 2"/>
+          <p:cNvPicPr>
+            <a:picLocks noChangeAspect="1" noChangeArrowheads="1"/>
+          </p:cNvPicPr>
+          <p:nvPr/>
+        </p:nvPicPr>
+        <p:blipFill>
+          <a:blip r:embed="rId2">
+            <a:extLst>
+              <a:ext uri="{28A0092B-C50C-407E-A947-70E740481C1C}">
+                <a14:useLocalDpi xmlns:a14="http://schemas.microsoft.com/office/drawing/2010/main" val="0"/>
+              </a:ext>
+            </a:extLst>
+          </a:blip>
+          <a:srcRect/>
+          <a:stretch>
+            <a:fillRect/>
+          </a:stretch>
+        </p:blipFill>
+        <p:spPr bwMode="auto">
+          <a:xfrm>
+            <a:off x="718623" y="2924943"/>
+            <a:ext cx="4562475" cy="1914525"/>
+          </a:xfrm>
+          <a:prstGeom prst="rect">
+            <a:avLst/>
+          </a:prstGeom>
+          <a:noFill/>
+          <a:ln>
+            <a:noFill/>
+          </a:ln>
+          <a:extLst>
+            <a:ext uri="{909E8E84-426E-40DD-AFC4-6F175D3DCCD1}">
+              <a14:hiddenFill xmlns:a14="http://schemas.microsoft.com/office/drawing/2010/main">
+                <a:solidFill>
+                  <a:schemeClr val="accent1"/>
+                </a:solidFill>
+              </a14:hiddenFill>
+            </a:ext>
+            <a:ext uri="{91240B29-F687-4F45-9708-019B960494DF}">
+              <a14:hiddenLine xmlns:a14="http://schemas.microsoft.com/office/drawing/2010/main" w="9525">
+                <a:solidFill>
+                  <a:schemeClr val="tx1"/>
+                </a:solidFill>
+                <a:miter lim="800000"/>
+                <a:headEnd/>
+                <a:tailEnd/>
+              </a14:hiddenLine>
+            </a:ext>
+          </a:extLst>
+        </p:spPr>
+      </p:pic>
+    </p:spTree>
+    <p:extLst>
+      <p:ext uri="{BB962C8B-B14F-4D97-AF65-F5344CB8AC3E}">
+        <p14:creationId xmlns:p14="http://schemas.microsoft.com/office/powerpoint/2010/main" val="2611092214"/>
+      </p:ext>
+    </p:extLst>
+  </p:cSld>
+  <p:clrMapOvr>
+    <a:masterClrMapping/>
+  </p:clrMapOvr>
+</p:sld>
+</file>
+
+<file path=ppt/slides/slide9.xml><?xml version="1.0" encoding="utf-8"?>
+<p:sld xmlns:a="http://schemas.openxmlformats.org/drawingml/2006/main" xmlns:r="http://schemas.openxmlformats.org/officeDocument/2006/relationships" xmlns:p="http://schemas.openxmlformats.org/presentationml/2006/main">
+  <p:cSld>
+    <p:spTree>
+      <p:nvGrpSpPr>
+        <p:cNvPr id="1" name=""/>
+        <p:cNvGrpSpPr/>
+        <p:nvPr/>
+      </p:nvGrpSpPr>
+      <p:grpSpPr>
+        <a:xfrm>
+          <a:off x="0" y="0"/>
+          <a:ext cx="0" cy="0"/>
+          <a:chOff x="0" y="0"/>
+          <a:chExt cx="0" cy="0"/>
+        </a:xfrm>
+      </p:grpSpPr>
+      <p:sp>
+        <p:nvSpPr>
+          <p:cNvPr id="2" name="Titre 1"/>
+          <p:cNvSpPr>
+            <a:spLocks noGrp="1"/>
+          </p:cNvSpPr>
+          <p:nvPr>
+            <p:ph type="title"/>
+          </p:nvPr>
+        </p:nvSpPr>
+        <p:spPr/>
+        <p:txBody>
+          <a:bodyPr/>
+          <a:lstStyle/>
+          <a:p>
+            <a:r>
+              <a:rPr lang="fr-FR" dirty="0" smtClean="0"/>
+              <a:t>Description du code server</a:t>
+            </a:r>
+            <a:endParaRPr lang="fr-FR" dirty="0"/>
+          </a:p>
+        </p:txBody>
+      </p:sp>
+      <p:sp>
+        <p:nvSpPr>
+          <p:cNvPr id="3" name="Espace réservé du contenu 2"/>
+          <p:cNvSpPr>
+            <a:spLocks noGrp="1"/>
+          </p:cNvSpPr>
+          <p:nvPr>
+            <p:ph idx="1"/>
+          </p:nvPr>
+        </p:nvSpPr>
+        <p:spPr/>
+        <p:txBody>
+          <a:bodyPr/>
+          <a:lstStyle/>
+          <a:p>
+            <a:r>
+              <a:rPr lang="fr-FR" dirty="0" smtClean="0"/>
+              <a:t>«</a:t>
+            </a:r>
+            <a:r>
+              <a:rPr lang="fr-FR" dirty="0"/>
+              <a:t> </a:t>
+            </a:r>
+            <a:r>
+              <a:rPr lang="fr-FR" dirty="0" err="1"/>
+              <a:t>Three</a:t>
+            </a:r>
+            <a:r>
+              <a:rPr lang="fr-FR" dirty="0"/>
+              <a:t> </a:t>
+            </a:r>
+            <a:r>
+              <a:rPr lang="fr-FR" dirty="0" err="1"/>
+              <a:t>Ways</a:t>
+            </a:r>
+            <a:r>
+              <a:rPr lang="fr-FR" dirty="0"/>
+              <a:t> </a:t>
+            </a:r>
+            <a:r>
+              <a:rPr lang="fr-FR" dirty="0" err="1"/>
+              <a:t>HandShake</a:t>
+            </a:r>
+            <a:r>
+              <a:rPr lang="fr-FR" dirty="0"/>
+              <a:t> </a:t>
+            </a:r>
+            <a:r>
+              <a:rPr lang="fr-FR" dirty="0" smtClean="0"/>
+              <a:t>»</a:t>
+            </a:r>
+          </a:p>
+          <a:p>
+            <a:pPr lvl="1"/>
+            <a:r>
+              <a:rPr lang="fr-FR" dirty="0"/>
+              <a:t>Initialisation de la communication client-serveur</a:t>
+            </a:r>
+          </a:p>
+          <a:p>
+            <a:pPr lvl="1"/>
+            <a:r>
+              <a:rPr lang="fr-FR" dirty="0" smtClean="0"/>
+              <a:t>Réception de </a:t>
+            </a:r>
+            <a:r>
+              <a:rPr lang="fr-FR" dirty="0"/>
+              <a:t>SYN </a:t>
+            </a:r>
+            <a:endParaRPr lang="fr-FR" dirty="0" smtClean="0"/>
+          </a:p>
+          <a:p>
+            <a:pPr lvl="1"/>
+            <a:r>
+              <a:rPr lang="fr-FR" dirty="0" smtClean="0"/>
+              <a:t>Envoie de SYN+ACK</a:t>
+            </a:r>
+            <a:endParaRPr lang="fr-FR" dirty="0"/>
+          </a:p>
+          <a:p>
+            <a:r>
+              <a:rPr lang="fr-FR" dirty="0" smtClean="0"/>
+              <a:t>Réception des données et envoie réponse</a:t>
+            </a:r>
+          </a:p>
+          <a:p>
+            <a:pPr lvl="1"/>
+            <a:r>
+              <a:rPr lang="fr-FR" dirty="0" smtClean="0"/>
+              <a:t>Dans notre exemple on envoie en réponse : les datas + 1 (ici 43)</a:t>
+            </a:r>
+            <a:endParaRPr lang="fr-FR" dirty="0"/>
+          </a:p>
+        </p:txBody>
+      </p:sp>
+    </p:spTree>
+    <p:extLst>
+      <p:ext uri="{BB962C8B-B14F-4D97-AF65-F5344CB8AC3E}">
+        <p14:creationId xmlns:p14="http://schemas.microsoft.com/office/powerpoint/2010/main" val="2425074527"/>
       </p:ext>
     </p:extLst>
   </p:cSld>
